--- a/三（3）班 顾语桐 AI人脸识别.pptx
+++ b/三（3）班 顾语桐 AI人脸识别.pptx
@@ -1559,7 +1559,7 @@
     <a:masterClrMapping/>
   </p:clrMapOvr>
   <mc:AlternateContent xmlns:mc="http://schemas.openxmlformats.org/markup-compatibility/2006">
-    <mc:Choice xmlns="" xmlns:p14="http://schemas.microsoft.com/office/powerpoint/2010/main" Requires="p14">
+    <mc:Choice xmlns:p14="http://schemas.microsoft.com/office/powerpoint/2010/main" xmlns="" Requires="p14">
       <p:transition spd="slow" p14:dur="1500" advTm="0">
         <p:random/>
       </p:transition>
@@ -1627,7 +1627,7 @@
     <a:masterClrMapping/>
   </p:clrMapOvr>
   <mc:AlternateContent xmlns:mc="http://schemas.openxmlformats.org/markup-compatibility/2006">
-    <mc:Choice xmlns="" xmlns:p14="http://schemas.microsoft.com/office/powerpoint/2010/main" Requires="p14">
+    <mc:Choice xmlns:p14="http://schemas.microsoft.com/office/powerpoint/2010/main" xmlns="" Requires="p14">
       <p:transition spd="slow" p14:dur="1500" advTm="0">
         <p:random/>
       </p:transition>
@@ -1694,7 +1694,7 @@
     <a:overrideClrMapping bg1="lt1" tx1="dk1" bg2="lt2" tx2="dk2" accent1="accent1" accent2="accent2" accent3="accent3" accent4="accent4" accent5="accent5" accent6="accent6" hlink="hlink" folHlink="folHlink"/>
   </p:clrMapOvr>
   <mc:AlternateContent xmlns:mc="http://schemas.openxmlformats.org/markup-compatibility/2006">
-    <mc:Choice xmlns="" xmlns:p14="http://schemas.microsoft.com/office/powerpoint/2010/main" Requires="p14">
+    <mc:Choice xmlns:p14="http://schemas.microsoft.com/office/powerpoint/2010/main" xmlns="" Requires="p14">
       <p:transition spd="slow" p14:dur="1500" advTm="0">
         <p:random/>
       </p:transition>
@@ -1743,7 +1743,7 @@
     <a:overrideClrMapping bg1="lt1" tx1="dk1" bg2="lt2" tx2="dk2" accent1="accent1" accent2="accent2" accent3="accent3" accent4="accent4" accent5="accent5" accent6="accent6" hlink="hlink" folHlink="folHlink"/>
   </p:clrMapOvr>
   <mc:AlternateContent xmlns:mc="http://schemas.openxmlformats.org/markup-compatibility/2006">
-    <mc:Choice xmlns="" xmlns:p14="http://schemas.microsoft.com/office/powerpoint/2010/main" Requires="p14">
+    <mc:Choice xmlns:p14="http://schemas.microsoft.com/office/powerpoint/2010/main" xmlns="" Requires="p14">
       <p:transition spd="slow" p14:dur="1500" advTm="0">
         <p:random/>
       </p:transition>
@@ -1798,7 +1798,7 @@
     <a:overrideClrMapping bg1="lt1" tx1="dk1" bg2="lt2" tx2="dk2" accent1="accent1" accent2="accent2" accent3="accent3" accent4="accent4" accent5="accent5" accent6="accent6" hlink="hlink" folHlink="folHlink"/>
   </p:clrMapOvr>
   <mc:AlternateContent xmlns:mc="http://schemas.openxmlformats.org/markup-compatibility/2006">
-    <mc:Choice xmlns="" xmlns:p14="http://schemas.microsoft.com/office/powerpoint/2010/main" Requires="p14">
+    <mc:Choice xmlns:p14="http://schemas.microsoft.com/office/powerpoint/2010/main" xmlns="" Requires="p14">
       <p:transition spd="slow" p14:dur="1500" advTm="0">
         <p:random/>
       </p:transition>
@@ -1847,7 +1847,7 @@
     <a:overrideClrMapping bg1="lt1" tx1="dk1" bg2="lt2" tx2="dk2" accent1="accent1" accent2="accent2" accent3="accent3" accent4="accent4" accent5="accent5" accent6="accent6" hlink="hlink" folHlink="folHlink"/>
   </p:clrMapOvr>
   <mc:AlternateContent xmlns:mc="http://schemas.openxmlformats.org/markup-compatibility/2006">
-    <mc:Choice xmlns="" xmlns:p14="http://schemas.microsoft.com/office/powerpoint/2010/main" Requires="p14">
+    <mc:Choice xmlns:p14="http://schemas.microsoft.com/office/powerpoint/2010/main" xmlns="" Requires="p14">
       <p:transition spd="slow" p14:dur="1500" advTm="0">
         <p:random/>
       </p:transition>
@@ -1891,7 +1891,7 @@
     <a:masterClrMapping/>
   </p:clrMapOvr>
   <mc:AlternateContent xmlns:mc="http://schemas.openxmlformats.org/markup-compatibility/2006">
-    <mc:Choice xmlns="" xmlns:p14="http://schemas.microsoft.com/office/powerpoint/2010/main" Requires="p14">
+    <mc:Choice xmlns:p14="http://schemas.microsoft.com/office/powerpoint/2010/main" xmlns="" Requires="p14">
       <p:transition spd="slow" p14:dur="1500" advTm="0">
         <p:random/>
       </p:transition>
@@ -1959,7 +1959,7 @@
     <a:masterClrMapping/>
   </p:clrMapOvr>
   <mc:AlternateContent xmlns:mc="http://schemas.openxmlformats.org/markup-compatibility/2006">
-    <mc:Choice xmlns="" xmlns:p14="http://schemas.microsoft.com/office/powerpoint/2010/main" Requires="p14">
+    <mc:Choice xmlns:p14="http://schemas.microsoft.com/office/powerpoint/2010/main" xmlns="" Requires="p14">
       <p:transition spd="slow" p14:dur="1500" advTm="0">
         <p:random/>
       </p:transition>
@@ -2596,7 +2596,7 @@
     <a:masterClrMapping/>
   </p:clrMapOvr>
   <mc:AlternateContent xmlns:mc="http://schemas.openxmlformats.org/markup-compatibility/2006">
-    <mc:Choice xmlns="" xmlns:p14="http://schemas.microsoft.com/office/powerpoint/2010/main" Requires="p14">
+    <mc:Choice xmlns:p14="http://schemas.microsoft.com/office/powerpoint/2010/main" xmlns="" Requires="p14">
       <p:transition spd="slow" p14:dur="1500" advTm="0">
         <p:random/>
       </p:transition>
@@ -2664,7 +2664,7 @@
     <a:masterClrMapping/>
   </p:clrMapOvr>
   <mc:AlternateContent xmlns:mc="http://schemas.openxmlformats.org/markup-compatibility/2006">
-    <mc:Choice xmlns="" xmlns:p14="http://schemas.microsoft.com/office/powerpoint/2010/main" Requires="p14">
+    <mc:Choice xmlns:p14="http://schemas.microsoft.com/office/powerpoint/2010/main" xmlns="" Requires="p14">
       <p:transition spd="slow" p14:dur="1500" advTm="0">
         <p:random/>
       </p:transition>
@@ -2716,7 +2716,7 @@
     <p:sldLayoutId id="2147483658" r:id="rId10"/>
   </p:sldLayoutIdLst>
   <mc:AlternateContent xmlns:mc="http://schemas.openxmlformats.org/markup-compatibility/2006">
-    <mc:Choice xmlns="" xmlns:p14="http://schemas.microsoft.com/office/powerpoint/2010/main" Requires="p14">
+    <mc:Choice xmlns:p14="http://schemas.microsoft.com/office/powerpoint/2010/main" xmlns="" Requires="p14">
       <p:transition spd="slow" p14:dur="1500" advTm="0">
         <p:random/>
       </p:transition>
@@ -3996,7 +3996,7 @@
         </p:nvSpPr>
         <p:spPr>
           <a:xfrm>
-            <a:off x="7708900" y="5575300"/>
+            <a:off x="9194800" y="5143500"/>
             <a:ext cx="3721100" cy="369332"/>
           </a:xfrm>
           <a:prstGeom prst="rect">
@@ -4032,15 +4032,7 @@
                   <a:schemeClr val="bg1"/>
                 </a:solidFill>
               </a:rPr>
-              <a:t>）班  顾语</a:t>
-            </a:r>
-            <a:r>
-              <a:rPr lang="zh-CN" altLang="en-US" dirty="0" smtClean="0">
-                <a:solidFill>
-                  <a:schemeClr val="bg1"/>
-                </a:solidFill>
-              </a:rPr>
-              <a:t>桐 </a:t>
+              <a:t>）班  顾语桐 </a:t>
             </a:r>
             <a:r>
               <a:rPr lang="en-US" altLang="zh-CN" dirty="0" smtClean="0">
@@ -4298,14 +4290,14 @@
           <a:effectLst/>
           <a:extLst>
             <a:ext uri="{909E8E84-426E-40DD-AFC4-6F175D3DCCD1}">
-              <a14:hiddenFill xmlns="" xmlns:a14="http://schemas.microsoft.com/office/drawing/2010/main">
+              <a14:hiddenFill xmlns:a14="http://schemas.microsoft.com/office/drawing/2010/main" xmlns="">
                 <a:solidFill>
                   <a:srgbClr val="FFFFFF"/>
                 </a:solidFill>
               </a14:hiddenFill>
             </a:ext>
             <a:ext uri="{91240B29-F687-4F45-9708-019B960494DF}">
-              <a14:hiddenLine xmlns="" xmlns:a14="http://schemas.microsoft.com/office/drawing/2010/main" w="9525">
+              <a14:hiddenLine xmlns:a14="http://schemas.microsoft.com/office/drawing/2010/main" xmlns="" w="9525">
                 <a:solidFill>
                   <a:srgbClr val="000000"/>
                 </a:solidFill>
@@ -4466,14 +4458,14 @@
           </a:ln>
           <a:extLst>
             <a:ext uri="{909E8E84-426E-40DD-AFC4-6F175D3DCCD1}">
-              <a14:hiddenFill xmlns="" xmlns:a14="http://schemas.microsoft.com/office/drawing/2010/main">
+              <a14:hiddenFill xmlns:a14="http://schemas.microsoft.com/office/drawing/2010/main" xmlns="">
                 <a:solidFill>
                   <a:srgbClr val="FFFFFF"/>
                 </a:solidFill>
               </a14:hiddenFill>
             </a:ext>
             <a:ext uri="{91240B29-F687-4F45-9708-019B960494DF}">
-              <a14:hiddenLine xmlns="" xmlns:a14="http://schemas.microsoft.com/office/drawing/2010/main" w="9525">
+              <a14:hiddenLine xmlns:a14="http://schemas.microsoft.com/office/drawing/2010/main" xmlns="" w="9525">
                 <a:solidFill>
                   <a:srgbClr val="000000"/>
                 </a:solidFill>
@@ -4538,14 +4530,14 @@
           <a:effectLst/>
           <a:extLst>
             <a:ext uri="{909E8E84-426E-40DD-AFC4-6F175D3DCCD1}">
-              <a14:hiddenFill xmlns="" xmlns:a14="http://schemas.microsoft.com/office/drawing/2010/main">
+              <a14:hiddenFill xmlns:a14="http://schemas.microsoft.com/office/drawing/2010/main" xmlns="">
                 <a:solidFill>
                   <a:srgbClr val="FFFFFF"/>
                 </a:solidFill>
               </a14:hiddenFill>
             </a:ext>
             <a:ext uri="{91240B29-F687-4F45-9708-019B960494DF}">
-              <a14:hiddenLine xmlns="" xmlns:a14="http://schemas.microsoft.com/office/drawing/2010/main" w="9525">
+              <a14:hiddenLine xmlns:a14="http://schemas.microsoft.com/office/drawing/2010/main" xmlns="" w="9525">
                 <a:solidFill>
                   <a:srgbClr val="000000"/>
                 </a:solidFill>
@@ -5195,14 +5187,14 @@
           <a:effectLst/>
           <a:extLst>
             <a:ext uri="{909E8E84-426E-40DD-AFC4-6F175D3DCCD1}">
-              <a14:hiddenFill xmlns="" xmlns:a14="http://schemas.microsoft.com/office/drawing/2010/main">
+              <a14:hiddenFill xmlns:a14="http://schemas.microsoft.com/office/drawing/2010/main" xmlns="">
                 <a:solidFill>
                   <a:srgbClr val="FFFFFF"/>
                 </a:solidFill>
               </a14:hiddenFill>
             </a:ext>
             <a:ext uri="{91240B29-F687-4F45-9708-019B960494DF}">
-              <a14:hiddenLine xmlns="" xmlns:a14="http://schemas.microsoft.com/office/drawing/2010/main" w="9525">
+              <a14:hiddenLine xmlns:a14="http://schemas.microsoft.com/office/drawing/2010/main" xmlns="" w="9525">
                 <a:solidFill>
                   <a:srgbClr val="000000"/>
                 </a:solidFill>
@@ -5363,14 +5355,14 @@
           </a:ln>
           <a:extLst>
             <a:ext uri="{909E8E84-426E-40DD-AFC4-6F175D3DCCD1}">
-              <a14:hiddenFill xmlns="" xmlns:a14="http://schemas.microsoft.com/office/drawing/2010/main">
+              <a14:hiddenFill xmlns:a14="http://schemas.microsoft.com/office/drawing/2010/main" xmlns="">
                 <a:solidFill>
                   <a:srgbClr val="FFFFFF"/>
                 </a:solidFill>
               </a14:hiddenFill>
             </a:ext>
             <a:ext uri="{91240B29-F687-4F45-9708-019B960494DF}">
-              <a14:hiddenLine xmlns="" xmlns:a14="http://schemas.microsoft.com/office/drawing/2010/main" w="9525">
+              <a14:hiddenLine xmlns:a14="http://schemas.microsoft.com/office/drawing/2010/main" xmlns="" w="9525">
                 <a:solidFill>
                   <a:srgbClr val="000000"/>
                 </a:solidFill>
@@ -5428,14 +5420,14 @@
           <a:effectLst/>
           <a:extLst>
             <a:ext uri="{909E8E84-426E-40DD-AFC4-6F175D3DCCD1}">
-              <a14:hiddenFill xmlns="" xmlns:a14="http://schemas.microsoft.com/office/drawing/2010/main">
+              <a14:hiddenFill xmlns:a14="http://schemas.microsoft.com/office/drawing/2010/main" xmlns="">
                 <a:solidFill>
                   <a:srgbClr val="FFFFFF"/>
                 </a:solidFill>
               </a14:hiddenFill>
             </a:ext>
             <a:ext uri="{91240B29-F687-4F45-9708-019B960494DF}">
-              <a14:hiddenLine xmlns="" xmlns:a14="http://schemas.microsoft.com/office/drawing/2010/main" w="9525">
+              <a14:hiddenLine xmlns:a14="http://schemas.microsoft.com/office/drawing/2010/main" xmlns="" w="9525">
                 <a:solidFill>
                   <a:srgbClr val="000000"/>
                 </a:solidFill>
@@ -5971,14 +5963,14 @@
             <a:effectLst/>
             <a:extLst>
               <a:ext uri="{909E8E84-426E-40DD-AFC4-6F175D3DCCD1}">
-                <a14:hiddenFill xmlns="" xmlns:a14="http://schemas.microsoft.com/office/drawing/2010/main">
+                <a14:hiddenFill xmlns:a14="http://schemas.microsoft.com/office/drawing/2010/main" xmlns="">
                   <a:solidFill>
                     <a:srgbClr val="FFFFFF"/>
                   </a:solidFill>
                 </a14:hiddenFill>
               </a:ext>
               <a:ext uri="{91240B29-F687-4F45-9708-019B960494DF}">
-                <a14:hiddenLine xmlns="" xmlns:a14="http://schemas.microsoft.com/office/drawing/2010/main" w="9525">
+                <a14:hiddenLine xmlns:a14="http://schemas.microsoft.com/office/drawing/2010/main" xmlns="" w="9525">
                   <a:solidFill>
                     <a:srgbClr val="000000"/>
                   </a:solidFill>
@@ -6152,14 +6144,14 @@
             <a:effectLst/>
             <a:extLst>
               <a:ext uri="{909E8E84-426E-40DD-AFC4-6F175D3DCCD1}">
-                <a14:hiddenFill xmlns="" xmlns:a14="http://schemas.microsoft.com/office/drawing/2010/main">
+                <a14:hiddenFill xmlns:a14="http://schemas.microsoft.com/office/drawing/2010/main" xmlns="">
                   <a:solidFill>
                     <a:srgbClr val="FFFFFF"/>
                   </a:solidFill>
                 </a14:hiddenFill>
               </a:ext>
               <a:ext uri="{91240B29-F687-4F45-9708-019B960494DF}">
-                <a14:hiddenLine xmlns="" xmlns:a14="http://schemas.microsoft.com/office/drawing/2010/main" w="9525">
+                <a14:hiddenLine xmlns:a14="http://schemas.microsoft.com/office/drawing/2010/main" xmlns="" w="9525">
                   <a:solidFill>
                     <a:srgbClr val="000000"/>
                   </a:solidFill>
@@ -6962,14 +6954,14 @@
           <a:effectLst/>
           <a:extLst>
             <a:ext uri="{909E8E84-426E-40DD-AFC4-6F175D3DCCD1}">
-              <a14:hiddenFill xmlns="" xmlns:a14="http://schemas.microsoft.com/office/drawing/2010/main">
+              <a14:hiddenFill xmlns:a14="http://schemas.microsoft.com/office/drawing/2010/main" xmlns="">
                 <a:solidFill>
                   <a:srgbClr val="FFFFFF"/>
                 </a:solidFill>
               </a14:hiddenFill>
             </a:ext>
             <a:ext uri="{91240B29-F687-4F45-9708-019B960494DF}">
-              <a14:hiddenLine xmlns="" xmlns:a14="http://schemas.microsoft.com/office/drawing/2010/main" w="9525">
+              <a14:hiddenLine xmlns:a14="http://schemas.microsoft.com/office/drawing/2010/main" xmlns="" w="9525">
                 <a:solidFill>
                   <a:srgbClr val="000000"/>
                 </a:solidFill>
@@ -7139,14 +7131,14 @@
           </a:ln>
           <a:extLst>
             <a:ext uri="{909E8E84-426E-40DD-AFC4-6F175D3DCCD1}">
-              <a14:hiddenFill xmlns="" xmlns:a14="http://schemas.microsoft.com/office/drawing/2010/main">
+              <a14:hiddenFill xmlns:a14="http://schemas.microsoft.com/office/drawing/2010/main" xmlns="">
                 <a:solidFill>
                   <a:srgbClr val="FFFFFF"/>
                 </a:solidFill>
               </a14:hiddenFill>
             </a:ext>
             <a:ext uri="{91240B29-F687-4F45-9708-019B960494DF}">
-              <a14:hiddenLine xmlns="" xmlns:a14="http://schemas.microsoft.com/office/drawing/2010/main" w="9525">
+              <a14:hiddenLine xmlns:a14="http://schemas.microsoft.com/office/drawing/2010/main" xmlns="" w="9525">
                 <a:solidFill>
                   <a:srgbClr val="000000"/>
                 </a:solidFill>
@@ -7211,14 +7203,14 @@
           <a:effectLst/>
           <a:extLst>
             <a:ext uri="{909E8E84-426E-40DD-AFC4-6F175D3DCCD1}">
-              <a14:hiddenFill xmlns="" xmlns:a14="http://schemas.microsoft.com/office/drawing/2010/main">
+              <a14:hiddenFill xmlns:a14="http://schemas.microsoft.com/office/drawing/2010/main" xmlns="">
                 <a:solidFill>
                   <a:srgbClr val="FFFFFF"/>
                 </a:solidFill>
               </a14:hiddenFill>
             </a:ext>
             <a:ext uri="{91240B29-F687-4F45-9708-019B960494DF}">
-              <a14:hiddenLine xmlns="" xmlns:a14="http://schemas.microsoft.com/office/drawing/2010/main" w="9525">
+              <a14:hiddenLine xmlns:a14="http://schemas.microsoft.com/office/drawing/2010/main" xmlns="" w="9525">
                 <a:solidFill>
                   <a:srgbClr val="000000"/>
                 </a:solidFill>
@@ -7757,14 +7749,14 @@
             <a:effectLst/>
             <a:extLst>
               <a:ext uri="{909E8E84-426E-40DD-AFC4-6F175D3DCCD1}">
-                <a14:hiddenFill xmlns="" xmlns:a14="http://schemas.microsoft.com/office/drawing/2010/main">
+                <a14:hiddenFill xmlns:a14="http://schemas.microsoft.com/office/drawing/2010/main" xmlns="">
                   <a:solidFill>
                     <a:srgbClr val="FFFFFF"/>
                   </a:solidFill>
                 </a14:hiddenFill>
               </a:ext>
               <a:ext uri="{91240B29-F687-4F45-9708-019B960494DF}">
-                <a14:hiddenLine xmlns="" xmlns:a14="http://schemas.microsoft.com/office/drawing/2010/main" w="9525">
+                <a14:hiddenLine xmlns:a14="http://schemas.microsoft.com/office/drawing/2010/main" xmlns="" w="9525">
                   <a:solidFill>
                     <a:srgbClr val="000000"/>
                   </a:solidFill>
@@ -7940,14 +7932,14 @@
             <a:effectLst/>
             <a:extLst>
               <a:ext uri="{909E8E84-426E-40DD-AFC4-6F175D3DCCD1}">
-                <a14:hiddenFill xmlns="" xmlns:a14="http://schemas.microsoft.com/office/drawing/2010/main">
+                <a14:hiddenFill xmlns:a14="http://schemas.microsoft.com/office/drawing/2010/main" xmlns="">
                   <a:solidFill>
                     <a:srgbClr val="FFFFFF"/>
                   </a:solidFill>
                 </a14:hiddenFill>
               </a:ext>
               <a:ext uri="{91240B29-F687-4F45-9708-019B960494DF}">
-                <a14:hiddenLine xmlns="" xmlns:a14="http://schemas.microsoft.com/office/drawing/2010/main" w="9525">
+                <a14:hiddenLine xmlns:a14="http://schemas.microsoft.com/office/drawing/2010/main" xmlns="" w="9525">
                   <a:solidFill>
                     <a:srgbClr val="000000"/>
                   </a:solidFill>
@@ -8819,14 +8811,14 @@
           <a:effectLst/>
           <a:extLst>
             <a:ext uri="{909E8E84-426E-40DD-AFC4-6F175D3DCCD1}">
-              <a14:hiddenFill xmlns="" xmlns:a14="http://schemas.microsoft.com/office/drawing/2010/main">
+              <a14:hiddenFill xmlns:a14="http://schemas.microsoft.com/office/drawing/2010/main" xmlns="">
                 <a:solidFill>
                   <a:srgbClr val="FFFFFF"/>
                 </a:solidFill>
               </a14:hiddenFill>
             </a:ext>
             <a:ext uri="{91240B29-F687-4F45-9708-019B960494DF}">
-              <a14:hiddenLine xmlns="" xmlns:a14="http://schemas.microsoft.com/office/drawing/2010/main" w="9525">
+              <a14:hiddenLine xmlns:a14="http://schemas.microsoft.com/office/drawing/2010/main" xmlns="" w="9525">
                 <a:solidFill>
                   <a:srgbClr val="000000"/>
                 </a:solidFill>
@@ -8996,14 +8988,14 @@
           </a:ln>
           <a:extLst>
             <a:ext uri="{909E8E84-426E-40DD-AFC4-6F175D3DCCD1}">
-              <a14:hiddenFill xmlns="" xmlns:a14="http://schemas.microsoft.com/office/drawing/2010/main">
+              <a14:hiddenFill xmlns:a14="http://schemas.microsoft.com/office/drawing/2010/main" xmlns="">
                 <a:solidFill>
                   <a:srgbClr val="FFFFFF"/>
                 </a:solidFill>
               </a14:hiddenFill>
             </a:ext>
             <a:ext uri="{91240B29-F687-4F45-9708-019B960494DF}">
-              <a14:hiddenLine xmlns="" xmlns:a14="http://schemas.microsoft.com/office/drawing/2010/main" w="9525">
+              <a14:hiddenLine xmlns:a14="http://schemas.microsoft.com/office/drawing/2010/main" xmlns="" w="9525">
                 <a:solidFill>
                   <a:srgbClr val="000000"/>
                 </a:solidFill>
@@ -9068,14 +9060,14 @@
           <a:effectLst/>
           <a:extLst>
             <a:ext uri="{909E8E84-426E-40DD-AFC4-6F175D3DCCD1}">
-              <a14:hiddenFill xmlns="" xmlns:a14="http://schemas.microsoft.com/office/drawing/2010/main">
+              <a14:hiddenFill xmlns:a14="http://schemas.microsoft.com/office/drawing/2010/main" xmlns="">
                 <a:solidFill>
                   <a:srgbClr val="FFFFFF"/>
                 </a:solidFill>
               </a14:hiddenFill>
             </a:ext>
             <a:ext uri="{91240B29-F687-4F45-9708-019B960494DF}">
-              <a14:hiddenLine xmlns="" xmlns:a14="http://schemas.microsoft.com/office/drawing/2010/main" w="9525">
+              <a14:hiddenLine xmlns:a14="http://schemas.microsoft.com/office/drawing/2010/main" xmlns="" w="9525">
                 <a:solidFill>
                   <a:srgbClr val="000000"/>
                 </a:solidFill>
@@ -9624,7 +9616,7 @@
         </p:nvGrpSpPr>
         <p:grpSpPr>
           <a:xfrm>
-            <a:off x="394023" y="339092"/>
+            <a:off x="419423" y="542292"/>
             <a:ext cx="5841679" cy="1077218"/>
             <a:chOff x="394022" y="402590"/>
             <a:chExt cx="5841678" cy="1077218"/>
@@ -9653,14 +9645,14 @@
             <a:effectLst/>
             <a:extLst>
               <a:ext uri="{909E8E84-426E-40DD-AFC4-6F175D3DCCD1}">
-                <a14:hiddenFill xmlns="" xmlns:a14="http://schemas.microsoft.com/office/drawing/2010/main">
+                <a14:hiddenFill xmlns:a14="http://schemas.microsoft.com/office/drawing/2010/main" xmlns="">
                   <a:solidFill>
                     <a:srgbClr val="FFFFFF"/>
                   </a:solidFill>
                 </a14:hiddenFill>
               </a:ext>
               <a:ext uri="{91240B29-F687-4F45-9708-019B960494DF}">
-                <a14:hiddenLine xmlns="" xmlns:a14="http://schemas.microsoft.com/office/drawing/2010/main" w="9525">
+                <a14:hiddenLine xmlns:a14="http://schemas.microsoft.com/office/drawing/2010/main" xmlns="" w="9525">
                   <a:solidFill>
                     <a:srgbClr val="000000"/>
                   </a:solidFill>
@@ -9840,14 +9832,14 @@
             <a:effectLst/>
             <a:extLst>
               <a:ext uri="{909E8E84-426E-40DD-AFC4-6F175D3DCCD1}">
-                <a14:hiddenFill xmlns="" xmlns:a14="http://schemas.microsoft.com/office/drawing/2010/main">
+                <a14:hiddenFill xmlns:a14="http://schemas.microsoft.com/office/drawing/2010/main" xmlns="">
                   <a:solidFill>
                     <a:srgbClr val="FFFFFF"/>
                   </a:solidFill>
                 </a14:hiddenFill>
               </a:ext>
               <a:ext uri="{91240B29-F687-4F45-9708-019B960494DF}">
-                <a14:hiddenLine xmlns="" xmlns:a14="http://schemas.microsoft.com/office/drawing/2010/main" w="9525">
+                <a14:hiddenLine xmlns:a14="http://schemas.microsoft.com/office/drawing/2010/main" xmlns="" w="9525">
                   <a:solidFill>
                     <a:srgbClr val="000000"/>
                   </a:solidFill>
@@ -10186,29 +10178,7 @@
                 <a:cs typeface="+mn-ea"/>
                 <a:sym typeface="+mn-lt"/>
               </a:rPr>
-              <a:t>准备数据</a:t>
-            </a:r>
-            <a:r>
-              <a:rPr lang="zh-CN" altLang="en-US" sz="2800" dirty="0" smtClean="0">
-                <a:solidFill>
-                  <a:schemeClr val="bg1"/>
-                </a:solidFill>
-                <a:latin typeface="+mn-lt"/>
-                <a:cs typeface="+mn-ea"/>
-                <a:sym typeface="+mn-lt"/>
-              </a:rPr>
-              <a:t>：准备</a:t>
-            </a:r>
-            <a:r>
-              <a:rPr lang="zh-CN" altLang="en-US" sz="2800" dirty="0" smtClean="0">
-                <a:solidFill>
-                  <a:schemeClr val="bg1"/>
-                </a:solidFill>
-                <a:latin typeface="+mn-lt"/>
-                <a:cs typeface="+mn-ea"/>
-                <a:sym typeface="+mn-lt"/>
-              </a:rPr>
-              <a:t>很多猫和狗的图片</a:t>
+              <a:t>准备数据：准备很多猫和狗的图片</a:t>
             </a:r>
           </a:p>
           <a:p>
@@ -12562,14 +12532,14 @@
           <a:effectLst/>
           <a:extLst>
             <a:ext uri="{909E8E84-426E-40DD-AFC4-6F175D3DCCD1}">
-              <a14:hiddenFill xmlns="" xmlns:a14="http://schemas.microsoft.com/office/drawing/2010/main">
+              <a14:hiddenFill xmlns:a14="http://schemas.microsoft.com/office/drawing/2010/main" xmlns="">
                 <a:solidFill>
                   <a:srgbClr val="FFFFFF"/>
                 </a:solidFill>
               </a14:hiddenFill>
             </a:ext>
             <a:ext uri="{91240B29-F687-4F45-9708-019B960494DF}">
-              <a14:hiddenLine xmlns="" xmlns:a14="http://schemas.microsoft.com/office/drawing/2010/main" w="9525">
+              <a14:hiddenLine xmlns:a14="http://schemas.microsoft.com/office/drawing/2010/main" xmlns="" w="9525">
                 <a:solidFill>
                   <a:srgbClr val="000000"/>
                 </a:solidFill>
@@ -12850,7 +12820,7 @@
         </p:nvSpPr>
         <p:spPr>
           <a:xfrm>
-            <a:off x="4436967" y="4037113"/>
+            <a:off x="4513167" y="4049813"/>
             <a:ext cx="2676887" cy="512577"/>
           </a:xfrm>
           <a:prstGeom prst="rect">
@@ -12915,7 +12885,17 @@
                 <a:cs typeface="+mn-ea"/>
                 <a:sym typeface="+mn-lt"/>
               </a:rPr>
-              <a:t>人人脸图像特征提取以及匹配</a:t>
+              <a:t>人脸</a:t>
+            </a:r>
+            <a:r>
+              <a:rPr lang="zh-CN" altLang="en-US" sz="2800" b="1" dirty="0" smtClean="0">
+                <a:solidFill>
+                  <a:schemeClr val="bg1"/>
+                </a:solidFill>
+                <a:cs typeface="+mn-ea"/>
+                <a:sym typeface="+mn-lt"/>
+              </a:rPr>
+              <a:t>图像特征提取以及匹配</a:t>
             </a:r>
           </a:p>
         </p:txBody>
@@ -13628,7 +13608,7 @@
   <a:extraClrSchemeLst/>
   <a:extLst>
     <a:ext uri="{05A4C25C-085E-4340-85A3-A5531E510DB2}">
-      <thm15:themeFamily xmlns="" xmlns:thm15="http://schemas.microsoft.com/office/thememl/2012/main" name="Office Theme" id="{62F939B6-93AF-4DB8-9C6B-D6C7DFDC589F}" vid="{4A3C46E8-61CC-4603-A589-7422A47A8E4A}"/>
+      <thm15:themeFamily xmlns:thm15="http://schemas.microsoft.com/office/thememl/2012/main" xmlns="" name="Office Theme" id="{62F939B6-93AF-4DB8-9C6B-D6C7DFDC589F}" vid="{4A3C46E8-61CC-4603-A589-7422A47A8E4A}"/>
     </a:ext>
   </a:extLst>
 </a:theme>
@@ -13918,7 +13898,7 @@
   <a:extraClrSchemeLst/>
   <a:extLst>
     <a:ext uri="{05A4C25C-085E-4340-85A3-A5531E510DB2}">
-      <thm15:themeFamily xmlns="" xmlns:thm15="http://schemas.microsoft.com/office/thememl/2012/main" name="Office Theme" id="{62F939B6-93AF-4DB8-9C6B-D6C7DFDC589F}" vid="{4A3C46E8-61CC-4603-A589-7422A47A8E4A}"/>
+      <thm15:themeFamily xmlns:thm15="http://schemas.microsoft.com/office/thememl/2012/main" xmlns="" name="Office Theme" id="{62F939B6-93AF-4DB8-9C6B-D6C7DFDC589F}" vid="{4A3C46E8-61CC-4603-A589-7422A47A8E4A}"/>
     </a:ext>
   </a:extLst>
 </a:theme>
@@ -14179,7 +14159,7 @@
   <a:extraClrSchemeLst/>
   <a:extLst>
     <a:ext uri="{05A4C25C-085E-4340-85A3-A5531E510DB2}">
-      <thm15:themeFamily xmlns="" xmlns:thm15="http://schemas.microsoft.com/office/thememl/2012/main" name="Office Theme" id="{62F939B6-93AF-4DB8-9C6B-D6C7DFDC589F}" vid="{4A3C46E8-61CC-4603-A589-7422A47A8E4A}"/>
+      <thm15:themeFamily xmlns:thm15="http://schemas.microsoft.com/office/thememl/2012/main" xmlns="" name="Office Theme" id="{62F939B6-93AF-4DB8-9C6B-D6C7DFDC589F}" vid="{4A3C46E8-61CC-4603-A589-7422A47A8E4A}"/>
     </a:ext>
   </a:extLst>
 </a:theme>
